--- a/DesktopBasic1Basics/DataTranslationBasics.pptx
+++ b/DesktopBasic1Basics/DataTranslationBasics.pptx
@@ -37,14 +37,14 @@
   <p:notesSz cx="6858000" cy="9144000"/>
   <p:embeddedFontLst>
     <p:embeddedFont>
-      <p:font typeface="Proxima Nova" panose="020B0604020202020204" charset="0"/>
+      <p:font typeface="Open Sans" panose="020B0604020202020204" charset="0"/>
       <p:regular r:id="rId27"/>
       <p:bold r:id="rId28"/>
       <p:italic r:id="rId29"/>
       <p:boldItalic r:id="rId30"/>
     </p:embeddedFont>
     <p:embeddedFont>
-      <p:font typeface="Open Sans" panose="020B0604020202020204" charset="0"/>
+      <p:font typeface="Proxima Nova" panose="020B0604020202020204" charset="0"/>
       <p:regular r:id="rId31"/>
       <p:bold r:id="rId32"/>
       <p:italic r:id="rId33"/>
@@ -264,7 +264,7 @@
   </p:defaultTextStyle>
   <p:extLst>
     <p:ext uri="{EFAFB233-063F-42B5-8137-9DF3F51BA10A}">
-      <p15:sldGuideLst xmlns:p15="http://schemas.microsoft.com/office/powerpoint/2012/main" xmlns=""/>
+      <p15:sldGuideLst xmlns="" xmlns:p15="http://schemas.microsoft.com/office/powerpoint/2012/main"/>
     </p:ext>
   </p:extLst>
 </p:presentation>
@@ -9340,6 +9340,18 @@
               <a:buNone/>
             </a:pPr>
             <a:r>
+              <a:rPr lang="en" sz="3600" b="1" smtClean="0">
+                <a:solidFill>
+                  <a:srgbClr val="FFFFFF"/>
+                </a:solidFill>
+                <a:latin typeface="Open Sans"/>
+                <a:ea typeface="Open Sans"/>
+                <a:cs typeface="Open Sans"/>
+                <a:sym typeface="Open Sans"/>
+              </a:rPr>
+              <a:t>Data </a:t>
+            </a:r>
+            <a:r>
               <a:rPr lang="en" sz="3600" b="1">
                 <a:solidFill>
                   <a:srgbClr val="FFFFFF"/>
@@ -9349,8 +9361,29 @@
                 <a:cs typeface="Open Sans"/>
                 <a:sym typeface="Open Sans"/>
               </a:rPr>
-              <a:t>More Data Inspector Functionality</a:t>
+              <a:t>Inspector </a:t>
             </a:r>
+            <a:r>
+              <a:rPr lang="en" sz="3600" b="1" smtClean="0">
+                <a:solidFill>
+                  <a:srgbClr val="FFFFFF"/>
+                </a:solidFill>
+                <a:latin typeface="Open Sans"/>
+                <a:ea typeface="Open Sans"/>
+                <a:cs typeface="Open Sans"/>
+                <a:sym typeface="Open Sans"/>
+              </a:rPr>
+              <a:t>Style Functionality</a:t>
+            </a:r>
+            <a:endParaRPr lang="en" sz="3600" b="1" dirty="0">
+              <a:solidFill>
+                <a:srgbClr val="FFFFFF"/>
+              </a:solidFill>
+              <a:latin typeface="Open Sans"/>
+              <a:ea typeface="Open Sans"/>
+              <a:cs typeface="Open Sans"/>
+              <a:sym typeface="Open Sans"/>
+            </a:endParaRPr>
           </a:p>
         </p:txBody>
       </p:sp>

--- a/DesktopBasic1Basics/DataTranslationBasics.pptx
+++ b/DesktopBasic1Basics/DataTranslationBasics.pptx
@@ -264,7 +264,7 @@
   </p:defaultTextStyle>
   <p:extLst>
     <p:ext uri="{EFAFB233-063F-42B5-8137-9DF3F51BA10A}">
-      <p15:sldGuideLst xmlns="" xmlns:p15="http://schemas.microsoft.com/office/powerpoint/2012/main"/>
+      <p15:sldGuideLst xmlns:p15="http://schemas.microsoft.com/office/powerpoint/2012/main" xmlns=""/>
     </p:ext>
   </p:extLst>
 </p:presentation>
@@ -7588,8 +7588,13 @@
             </a:pPr>
             <a:r>
               <a:rPr lang="en"/>
-              <a:t>FME 2016</a:t>
+              <a:t>FME </a:t>
             </a:r>
+            <a:r>
+              <a:rPr lang="en" smtClean="0"/>
+              <a:t>2017</a:t>
+            </a:r>
+            <a:endParaRPr lang="en" dirty="0"/>
           </a:p>
         </p:txBody>
       </p:sp>
